--- a/Presentations/4 May 2020/Examining Musical Instrument Family Classifier Features.pptx
+++ b/Presentations/4 May 2020/Examining Musical Instrument Family Classifier Features.pptx
@@ -125,6 +125,11 @@
       </a:defRPr>
     </a:lvl9pPr>
   </p:defaultTextStyle>
+  <p:extLst>
+    <p:ext uri="{EFAFB233-063F-42B5-8137-9DF3F51BA10A}">
+      <p15:sldGuideLst xmlns:p15="http://schemas.microsoft.com/office/powerpoint/2012/main"/>
+    </p:ext>
+  </p:extLst>
 </p:presentation>
 </file>
 
@@ -15396,7 +15401,7 @@
             <a:fld id="{B61BEF0D-F0BB-DE4B-95CE-6DB70DBA9567}" type="datetimeFigureOut">
               <a:rPr lang="en-US" dirty="0"/>
               <a:pPr/>
-              <a:t>5/3/2020</a:t>
+              <a:t>5/4/2020</a:t>
             </a:fld>
             <a:endParaRPr lang="en-US" dirty="0"/>
           </a:p>
@@ -15655,7 +15660,7 @@
             <a:fld id="{B61BEF0D-F0BB-DE4B-95CE-6DB70DBA9567}" type="datetimeFigureOut">
               <a:rPr lang="en-US" dirty="0"/>
               <a:pPr/>
-              <a:t>5/3/2020</a:t>
+              <a:t>5/4/2020</a:t>
             </a:fld>
             <a:endParaRPr lang="en-US" dirty="0"/>
           </a:p>
@@ -15887,7 +15892,7 @@
             <a:fld id="{B61BEF0D-F0BB-DE4B-95CE-6DB70DBA9567}" type="datetimeFigureOut">
               <a:rPr lang="en-US" dirty="0"/>
               <a:pPr/>
-              <a:t>5/3/2020</a:t>
+              <a:t>5/4/2020</a:t>
             </a:fld>
             <a:endParaRPr lang="en-US" dirty="0"/>
           </a:p>
@@ -16124,7 +16129,7 @@
             <a:fld id="{B61BEF0D-F0BB-DE4B-95CE-6DB70DBA9567}" type="datetimeFigureOut">
               <a:rPr lang="en-US" dirty="0"/>
               <a:pPr/>
-              <a:t>5/3/2020</a:t>
+              <a:t>5/4/2020</a:t>
             </a:fld>
             <a:endParaRPr lang="en-US" dirty="0"/>
           </a:p>
@@ -16428,7 +16433,7 @@
             <a:fld id="{B61BEF0D-F0BB-DE4B-95CE-6DB70DBA9567}" type="datetimeFigureOut">
               <a:rPr lang="en-US" dirty="0"/>
               <a:pPr/>
-              <a:t>5/3/2020</a:t>
+              <a:t>5/4/2020</a:t>
             </a:fld>
             <a:endParaRPr lang="en-US" dirty="0"/>
           </a:p>
@@ -16727,7 +16732,7 @@
             <a:fld id="{B61BEF0D-F0BB-DE4B-95CE-6DB70DBA9567}" type="datetimeFigureOut">
               <a:rPr lang="en-US" dirty="0"/>
               <a:pPr/>
-              <a:t>5/3/2020</a:t>
+              <a:t>5/4/2020</a:t>
             </a:fld>
             <a:endParaRPr lang="en-US" dirty="0"/>
           </a:p>
@@ -17146,7 +17151,7 @@
             <a:fld id="{B61BEF0D-F0BB-DE4B-95CE-6DB70DBA9567}" type="datetimeFigureOut">
               <a:rPr lang="en-US" dirty="0"/>
               <a:pPr/>
-              <a:t>5/3/2020</a:t>
+              <a:t>5/4/2020</a:t>
             </a:fld>
             <a:endParaRPr lang="en-US" dirty="0"/>
           </a:p>
@@ -17305,7 +17310,7 @@
             <a:fld id="{B61BEF0D-F0BB-DE4B-95CE-6DB70DBA9567}" type="datetimeFigureOut">
               <a:rPr lang="en-US" dirty="0"/>
               <a:pPr/>
-              <a:t>5/3/2020</a:t>
+              <a:t>5/4/2020</a:t>
             </a:fld>
             <a:endParaRPr lang="en-US" dirty="0"/>
           </a:p>
@@ -17397,7 +17402,7 @@
             <a:fld id="{B61BEF0D-F0BB-DE4B-95CE-6DB70DBA9567}" type="datetimeFigureOut">
               <a:rPr lang="en-US" dirty="0"/>
               <a:pPr/>
-              <a:t>5/3/2020</a:t>
+              <a:t>5/4/2020</a:t>
             </a:fld>
             <a:endParaRPr lang="en-US" dirty="0"/>
           </a:p>
@@ -17772,7 +17777,7 @@
             <a:fld id="{B61BEF0D-F0BB-DE4B-95CE-6DB70DBA9567}" type="datetimeFigureOut">
               <a:rPr lang="en-US" dirty="0"/>
               <a:pPr/>
-              <a:t>5/3/2020</a:t>
+              <a:t>5/4/2020</a:t>
             </a:fld>
             <a:endParaRPr lang="en-US" dirty="0"/>
           </a:p>
@@ -18058,7 +18063,7 @@
             <a:fld id="{B61BEF0D-F0BB-DE4B-95CE-6DB70DBA9567}" type="datetimeFigureOut">
               <a:rPr lang="en-US" dirty="0"/>
               <a:pPr/>
-              <a:t>5/3/2020</a:t>
+              <a:t>5/4/2020</a:t>
             </a:fld>
             <a:endParaRPr lang="en-US" dirty="0"/>
           </a:p>
@@ -18266,7 +18271,7 @@
             <a:fld id="{B61BEF0D-F0BB-DE4B-95CE-6DB70DBA9567}" type="datetimeFigureOut">
               <a:rPr lang="en-US" dirty="0"/>
               <a:pPr/>
-              <a:t>5/3/2020</a:t>
+              <a:t>5/4/2020</a:t>
             </a:fld>
             <a:endParaRPr lang="en-US" dirty="0"/>
           </a:p>
@@ -18963,8 +18968,8 @@
           <a:lstStyle/>
           <a:p>
             <a:r>
-              <a:rPr lang="en-US" sz="4800"/>
-              <a:t>Examining Musical Instrument Family Classifier Features</a:t>
+              <a:rPr lang="en-US" sz="4800" dirty="0"/>
+              <a:t>Musical Instrument Family Classification Features</a:t>
             </a:r>
           </a:p>
         </p:txBody>
@@ -22388,8 +22393,8 @@
           </a:p>
         </p:txBody>
       </p:sp>
-      <mc:AlternateContent xmlns:mc="http://schemas.openxmlformats.org/markup-compatibility/2006">
-        <mc:Choice xmlns:a14="http://schemas.microsoft.com/office/drawing/2010/main" Requires="a14">
+      <mc:AlternateContent xmlns:mc="http://schemas.openxmlformats.org/markup-compatibility/2006" xmlns:a14="http://schemas.microsoft.com/office/drawing/2010/main">
+        <mc:Choice Requires="a14">
           <p:sp>
             <p:nvSpPr>
               <p:cNvPr id="3" name="Content Placeholder 2">
@@ -22548,7 +22553,7 @@
             </p:txBody>
           </p:sp>
         </mc:Choice>
-        <mc:Fallback>
+        <mc:Fallback xmlns="">
           <p:sp>
             <p:nvSpPr>
               <p:cNvPr id="3" name="Content Placeholder 2">
